--- a/scratch-leapmotion/instructions/Scratch-opdracht_BalloonPop.pptx
+++ b/scratch-leapmotion/instructions/Scratch-opdracht_BalloonPop.pptx
@@ -202,7 +202,7 @@
           <a:p>
             <a:fld id="{FD5240AD-D0E5-8743-BED0-4875EEDE37D1}" type="datetimeFigureOut">
               <a:rPr lang="en-US" smtClean="0"/>
-              <a:t>12/09/15</a:t>
+              <a:t>13/09/15</a:t>
             </a:fld>
             <a:endParaRPr lang="en-US"/>
           </a:p>
@@ -268,7 +268,7 @@
           <a:p>
             <a:fld id="{279E9EA6-BBB3-1E40-BFD1-2E852B6140C4}" type="slidenum">
               <a:rPr lang="en-US" smtClean="0"/>
-              <a:t>‹nr.›</a:t>
+              <a:t>‹#›</a:t>
             </a:fld>
             <a:endParaRPr lang="en-US"/>
           </a:p>
@@ -368,7 +368,7 @@
           <a:p>
             <a:fld id="{59F1AF83-5EC3-2645-9357-E8053F4E6264}" type="datetimeFigureOut">
               <a:rPr lang="en-US" smtClean="0"/>
-              <a:t>12/09/15</a:t>
+              <a:t>13/09/15</a:t>
             </a:fld>
             <a:endParaRPr lang="en-US"/>
           </a:p>
@@ -527,7 +527,7 @@
           <a:p>
             <a:fld id="{019186DE-8459-354D-92FA-6DAD5BD2E459}" type="slidenum">
               <a:rPr lang="en-US" smtClean="0"/>
-              <a:t>‹nr.›</a:t>
+              <a:t>‹#›</a:t>
             </a:fld>
             <a:endParaRPr lang="en-US"/>
           </a:p>
@@ -1116,7 +1116,7 @@
             <a:fld id="{6C0001A9-357E-7541-840E-1F18FD9D64CA}" type="slidenum">
               <a:rPr lang="en-US" smtClean="0"/>
               <a:pPr algn="r"/>
-              <a:t>‹nr.›</a:t>
+              <a:t>‹#›</a:t>
             </a:fld>
             <a:endParaRPr lang="en-US" dirty="0"/>
           </a:p>
@@ -1401,7 +1401,7 @@
             <a:fld id="{6C0001A9-357E-7541-840E-1F18FD9D64CA}" type="slidenum">
               <a:rPr lang="en-US" smtClean="0"/>
               <a:pPr algn="r"/>
-              <a:t>‹nr.›</a:t>
+              <a:t>‹#›</a:t>
             </a:fld>
             <a:endParaRPr lang="en-US" dirty="0"/>
           </a:p>
@@ -1724,7 +1724,7 @@
             <a:fld id="{6C0001A9-357E-7541-840E-1F18FD9D64CA}" type="slidenum">
               <a:rPr lang="en-US" smtClean="0"/>
               <a:pPr/>
-              <a:t>‹nr.›</a:t>
+              <a:t>‹#›</a:t>
             </a:fld>
             <a:endParaRPr lang="en-US" dirty="0"/>
           </a:p>
@@ -2063,7 +2063,7 @@
             <a:fld id="{6C0001A9-357E-7541-840E-1F18FD9D64CA}" type="slidenum">
               <a:rPr lang="en-US" smtClean="0"/>
               <a:pPr algn="r"/>
-              <a:t>‹nr.›</a:t>
+              <a:t>‹#›</a:t>
             </a:fld>
             <a:endParaRPr lang="en-US" dirty="0"/>
           </a:p>
@@ -2569,7 +2569,7 @@
             <a:fld id="{6C0001A9-357E-7541-840E-1F18FD9D64CA}" type="slidenum">
               <a:rPr lang="en-US" smtClean="0"/>
               <a:pPr algn="r"/>
-              <a:t>‹nr.›</a:t>
+              <a:t>‹#›</a:t>
             </a:fld>
             <a:endParaRPr lang="en-US" dirty="0"/>
           </a:p>
@@ -2763,7 +2763,7 @@
             <a:fld id="{6C0001A9-357E-7541-840E-1F18FD9D64CA}" type="slidenum">
               <a:rPr lang="en-US" smtClean="0"/>
               <a:pPr algn="r"/>
-              <a:t>‹nr.›</a:t>
+              <a:t>‹#›</a:t>
             </a:fld>
             <a:endParaRPr lang="en-US" dirty="0"/>
           </a:p>
@@ -2957,7 +2957,7 @@
             <a:fld id="{6C0001A9-357E-7541-840E-1F18FD9D64CA}" type="slidenum">
               <a:rPr lang="en-US" smtClean="0"/>
               <a:pPr algn="r"/>
-              <a:t>‹nr.›</a:t>
+              <a:t>‹#›</a:t>
             </a:fld>
             <a:endParaRPr lang="en-US" dirty="0"/>
           </a:p>
@@ -3339,7 +3339,7 @@
             <a:fld id="{6C0001A9-357E-7541-840E-1F18FD9D64CA}" type="slidenum">
               <a:rPr lang="en-US" smtClean="0"/>
               <a:pPr algn="r"/>
-              <a:t>‹nr.›</a:t>
+              <a:t>‹#›</a:t>
             </a:fld>
             <a:endParaRPr lang="en-US" dirty="0"/>
           </a:p>
@@ -3641,7 +3641,7 @@
             <a:fld id="{6C0001A9-357E-7541-840E-1F18FD9D64CA}" type="slidenum">
               <a:rPr lang="en-US" smtClean="0"/>
               <a:pPr algn="r"/>
-              <a:t>‹nr.›</a:t>
+              <a:t>‹#›</a:t>
             </a:fld>
             <a:endParaRPr lang="en-US" dirty="0"/>
           </a:p>
@@ -4394,7 +4394,28 @@
                 <a:latin typeface="Comic Sans MS"/>
                 <a:cs typeface="Comic Sans MS"/>
               </a:rPr>
-              <a:t>Hiervoor moet je het project ‘BalloonPop_1.sb2’ openen.</a:t>
+              <a:t>Hiervoor moet je het project </a:t>
+            </a:r>
+            <a:r>
+              <a:rPr lang="nl-NL" smtClean="0">
+                <a:latin typeface="Comic Sans MS"/>
+                <a:cs typeface="Comic Sans MS"/>
+              </a:rPr>
+              <a:t>‘</a:t>
+            </a:r>
+            <a:r>
+              <a:rPr lang="nl-NL" smtClean="0">
+                <a:latin typeface="Comic Sans MS"/>
+                <a:cs typeface="Comic Sans MS"/>
+              </a:rPr>
+              <a:t>BalloonPop.sb2</a:t>
+            </a:r>
+            <a:r>
+              <a:rPr lang="nl-NL" dirty="0" smtClean="0">
+                <a:latin typeface="Comic Sans MS"/>
+                <a:cs typeface="Comic Sans MS"/>
+              </a:rPr>
+              <a:t>’ openen.</a:t>
             </a:r>
           </a:p>
         </p:txBody>
@@ -6066,11 +6087,7 @@
           <a:p>
             <a:r>
               <a:rPr lang="nl-NL" dirty="0" smtClean="0"/>
-              <a:t>Het spel is bijna klaar </a:t>
-            </a:r>
-            <a:r>
-              <a:rPr lang="nl-NL" dirty="0" smtClean="0"/>
-              <a:t>!</a:t>
+              <a:t>Het spel is bijna klaar !</a:t>
             </a:r>
           </a:p>
           <a:p>
